--- a/Submission Folder/2017-11-30_Max_Cut_Final_Presentation.pptx
+++ b/Submission Folder/2017-11-30_Max_Cut_Final_Presentation.pptx
@@ -1,6 +1,6 @@
 
 <file path=ppt/presentation.xml><?xml version="1.0" encoding="utf-8"?>
-<p:presentation xmlns:a="http://schemas.openxmlformats.org/drawingml/2006/main" xmlns:r="http://schemas.openxmlformats.org/officeDocument/2006/relationships" xmlns:p="http://schemas.openxmlformats.org/presentationml/2006/main" compatMode="1" strictFirstAndLastChars="0" saveSubsetFonts="1" autoCompressPictures="0">
+<p:presentation xmlns:a="http://schemas.openxmlformats.org/drawingml/2006/main" xmlns:r="http://schemas.openxmlformats.org/officeDocument/2006/relationships" xmlns:p="http://schemas.openxmlformats.org/presentationml/2006/main" strictFirstAndLastChars="0" saveSubsetFonts="1" autoCompressPictures="0">
   <p:sldMasterIdLst>
     <p:sldMasterId id="2147483659" r:id="rId1"/>
   </p:sldMasterIdLst>
@@ -160,6 +160,11 @@
       </a:defRPr>
     </a:lvl9pPr>
   </p:defaultTextStyle>
+  <p:extLst>
+    <p:ext uri="{EFAFB233-063F-42B5-8137-9DF3F51BA10A}">
+      <p15:sldGuideLst xmlns:p15="http://schemas.microsoft.com/office/powerpoint/2012/main"/>
+    </p:ext>
+  </p:extLst>
 </p:presentation>
 </file>
 
@@ -303,7 +308,7 @@
             <a:fld id="{20D84C22-9260-F648-B11E-63445245EB80}" type="datetimeFigureOut">
               <a:rPr lang="en-US" altLang="en-US"/>
               <a:pPr/>
-              <a:t>11/28/17</a:t>
+              <a:t>11/29/17</a:t>
             </a:fld>
             <a:endParaRPr lang="en-US" altLang="en-US"/>
           </a:p>
@@ -11253,7 +11258,7 @@
               <a:buNone/>
             </a:pPr>
             <a:r>
-              <a:rPr lang="en-US" altLang="en-US" sz="2800">
+              <a:rPr lang="en-US" altLang="en-US" sz="2800" dirty="0">
                 <a:solidFill>
                   <a:srgbClr val="FFFFFF"/>
                 </a:solidFill>
@@ -11449,7 +11454,7 @@
               <a:buChar char="●"/>
             </a:pPr>
             <a:r>
-              <a:rPr lang="en-US" altLang="en-US" sz="2400">
+              <a:rPr lang="en-US" altLang="en-US" sz="2400" dirty="0">
                 <a:solidFill>
                   <a:srgbClr val="212121"/>
                 </a:solidFill>
@@ -11476,7 +11481,7 @@
               <a:buChar char="●"/>
             </a:pPr>
             <a:r>
-              <a:rPr lang="en-US" altLang="en-US" sz="2400">
+              <a:rPr lang="en-US" altLang="en-US" sz="2400" dirty="0">
                 <a:solidFill>
                   <a:srgbClr val="212121"/>
                 </a:solidFill>
@@ -11503,7 +11508,7 @@
               <a:buChar char="●"/>
             </a:pPr>
             <a:r>
-              <a:rPr lang="en-US" altLang="en-US" sz="2400">
+              <a:rPr lang="en-US" altLang="en-US" sz="2400" dirty="0">
                 <a:solidFill>
                   <a:srgbClr val="212121"/>
                 </a:solidFill>
@@ -11530,7 +11535,7 @@
               <a:buChar char="●"/>
             </a:pPr>
             <a:r>
-              <a:rPr lang="en-US" altLang="en-US" sz="2400">
+              <a:rPr lang="en-US" altLang="en-US" sz="2400" dirty="0">
                 <a:solidFill>
                   <a:srgbClr val="212121"/>
                 </a:solidFill>
@@ -11557,7 +11562,7 @@
               <a:buChar char="●"/>
             </a:pPr>
             <a:r>
-              <a:rPr lang="en-US" altLang="en-US" sz="2400">
+              <a:rPr lang="en-US" altLang="en-US" sz="2400" dirty="0">
                 <a:solidFill>
                   <a:srgbClr val="212121"/>
                 </a:solidFill>
@@ -20599,7 +20604,7 @@
               <a:buChar char="●"/>
             </a:pPr>
             <a:r>
-              <a:rPr lang="en-US" altLang="en-US" sz="2400">
+              <a:rPr lang="en-US" altLang="en-US" sz="2400" dirty="0">
                 <a:solidFill>
                   <a:srgbClr val="212121"/>
                 </a:solidFill>
@@ -20608,7 +20613,31 @@
                 <a:cs typeface="Gill Sans" charset="0"/>
                 <a:sym typeface="Roboto" charset="0"/>
               </a:rPr>
-              <a:t>Build pseudograph G’ as in proof for finding shortest odd paths</a:t>
+              <a:t>Build </a:t>
+            </a:r>
+            <a:r>
+              <a:rPr lang="en-US" altLang="en-US" sz="2400" dirty="0" err="1">
+                <a:solidFill>
+                  <a:srgbClr val="212121"/>
+                </a:solidFill>
+                <a:latin typeface="Gill Sans" charset="0"/>
+                <a:ea typeface="Gill Sans" charset="0"/>
+                <a:cs typeface="Gill Sans" charset="0"/>
+                <a:sym typeface="Roboto" charset="0"/>
+              </a:rPr>
+              <a:t>pseudograph</a:t>
+            </a:r>
+            <a:r>
+              <a:rPr lang="en-US" altLang="en-US" sz="2400" dirty="0">
+                <a:solidFill>
+                  <a:srgbClr val="212121"/>
+                </a:solidFill>
+                <a:latin typeface="Gill Sans" charset="0"/>
+                <a:ea typeface="Gill Sans" charset="0"/>
+                <a:cs typeface="Gill Sans" charset="0"/>
+                <a:sym typeface="Roboto" charset="0"/>
+              </a:rPr>
+              <a:t> G’ as in proof for finding shortest odd paths</a:t>
             </a:r>
           </a:p>
           <a:p>
@@ -20626,7 +20655,7 @@
               <a:buChar char="●"/>
             </a:pPr>
             <a:r>
-              <a:rPr lang="en-US" altLang="en-US" sz="2400">
+              <a:rPr lang="en-US" altLang="en-US" sz="2400" dirty="0">
                 <a:solidFill>
                   <a:srgbClr val="212121"/>
                 </a:solidFill>
@@ -20638,7 +20667,7 @@
               <a:t>Run Dijkstra’s to find shortest path from v to v’ </a:t>
             </a:r>
             <a:r>
-              <a:rPr lang="en-US" altLang="en-US" sz="2400" b="1">
+              <a:rPr lang="en-US" altLang="en-US" sz="2400" b="1" dirty="0">
                 <a:solidFill>
                   <a:srgbClr val="212121"/>
                 </a:solidFill>
@@ -20650,7 +20679,7 @@
               <a:t>∀</a:t>
             </a:r>
             <a:r>
-              <a:rPr lang="en-US" altLang="en-US" sz="2400">
+              <a:rPr lang="en-US" altLang="en-US" sz="2400" dirty="0">
                 <a:solidFill>
                   <a:srgbClr val="212121"/>
                 </a:solidFill>
@@ -20662,7 +20691,7 @@
               <a:t>v</a:t>
             </a:r>
             <a:r>
-              <a:rPr lang="en-US" altLang="en-US" sz="2400" b="1">
+              <a:rPr lang="en-US" altLang="en-US" sz="2400" b="1" dirty="0">
                 <a:solidFill>
                   <a:srgbClr val="212121"/>
                 </a:solidFill>
@@ -20674,7 +20703,7 @@
               <a:t>∈</a:t>
             </a:r>
             <a:r>
-              <a:rPr lang="en-US" altLang="en-US" sz="2400">
+              <a:rPr lang="en-US" altLang="en-US" sz="2400" dirty="0">
                 <a:solidFill>
                   <a:srgbClr val="212121"/>
                 </a:solidFill>
@@ -20701,7 +20730,7 @@
               <a:buChar char="●"/>
             </a:pPr>
             <a:r>
-              <a:rPr lang="en-US" altLang="en-US" sz="2400">
+              <a:rPr lang="en-US" altLang="en-US" sz="2400" dirty="0">
                 <a:solidFill>
                   <a:srgbClr val="212121"/>
                 </a:solidFill>
@@ -20728,7 +20757,7 @@
               <a:buChar char="●"/>
             </a:pPr>
             <a:r>
-              <a:rPr lang="en-US" altLang="en-US" sz="2400">
+              <a:rPr lang="en-US" altLang="en-US" sz="2400" dirty="0">
                 <a:solidFill>
                   <a:srgbClr val="212121"/>
                 </a:solidFill>
@@ -20755,7 +20784,7 @@
               <a:buChar char="●"/>
             </a:pPr>
             <a:r>
-              <a:rPr lang="en-US" altLang="en-US" sz="2400">
+              <a:rPr lang="en-US" altLang="en-US" sz="2400" dirty="0">
                 <a:solidFill>
                   <a:srgbClr val="212121"/>
                 </a:solidFill>
@@ -20883,138 +20912,14 @@
                                 </p:cTn>
                               </p:par>
                               <p:par>
-                                <p:cTn id="7" presetID="1" presetClass="entr" presetSubtype="0" fill="hold" grpId="0" nodeType="withEffect">
-                                  <p:stCondLst>
-                                    <p:cond delay="0"/>
-                                  </p:stCondLst>
-                                  <p:childTnLst>
-                                    <p:set>
-                                      <p:cBhvr>
-                                        <p:cTn id="8" dur="1" fill="hold">
-                                          <p:stCondLst>
-                                            <p:cond delay="0"/>
-                                          </p:stCondLst>
-                                        </p:cTn>
-                                        <p:tgtEl>
-                                          <p:spTgt spid="5">
-                                            <p:txEl>
-                                              <p:pRg st="1" end="1"/>
-                                            </p:txEl>
-                                          </p:spTgt>
-                                        </p:tgtEl>
-                                        <p:attrNameLst>
-                                          <p:attrName>style.visibility</p:attrName>
-                                        </p:attrNameLst>
-                                      </p:cBhvr>
-                                      <p:to>
-                                        <p:strVal val="visible"/>
-                                      </p:to>
-                                    </p:set>
-                                  </p:childTnLst>
-                                </p:cTn>
-                              </p:par>
-                              <p:par>
-                                <p:cTn id="9" presetID="1" presetClass="entr" presetSubtype="0" fill="hold" grpId="0" nodeType="withEffect">
-                                  <p:stCondLst>
-                                    <p:cond delay="0"/>
-                                  </p:stCondLst>
-                                  <p:childTnLst>
-                                    <p:set>
-                                      <p:cBhvr>
-                                        <p:cTn id="10" dur="1" fill="hold">
-                                          <p:stCondLst>
-                                            <p:cond delay="0"/>
-                                          </p:stCondLst>
-                                        </p:cTn>
-                                        <p:tgtEl>
-                                          <p:spTgt spid="5">
-                                            <p:txEl>
-                                              <p:pRg st="2" end="2"/>
-                                            </p:txEl>
-                                          </p:spTgt>
-                                        </p:tgtEl>
-                                        <p:attrNameLst>
-                                          <p:attrName>style.visibility</p:attrName>
-                                        </p:attrNameLst>
-                                      </p:cBhvr>
-                                      <p:to>
-                                        <p:strVal val="visible"/>
-                                      </p:to>
-                                    </p:set>
-                                  </p:childTnLst>
-                                </p:cTn>
-                              </p:par>
-                              <p:par>
-                                <p:cTn id="11" presetID="1" presetClass="entr" presetSubtype="0" fill="hold" grpId="0" nodeType="withEffect">
-                                  <p:stCondLst>
-                                    <p:cond delay="0"/>
-                                  </p:stCondLst>
-                                  <p:childTnLst>
-                                    <p:set>
-                                      <p:cBhvr>
-                                        <p:cTn id="12" dur="1" fill="hold">
-                                          <p:stCondLst>
-                                            <p:cond delay="0"/>
-                                          </p:stCondLst>
-                                        </p:cTn>
-                                        <p:tgtEl>
-                                          <p:spTgt spid="5">
-                                            <p:txEl>
-                                              <p:pRg st="3" end="3"/>
-                                            </p:txEl>
-                                          </p:spTgt>
-                                        </p:tgtEl>
-                                        <p:attrNameLst>
-                                          <p:attrName>style.visibility</p:attrName>
-                                        </p:attrNameLst>
-                                      </p:cBhvr>
-                                      <p:to>
-                                        <p:strVal val="visible"/>
-                                      </p:to>
-                                    </p:set>
-                                  </p:childTnLst>
-                                </p:cTn>
-                              </p:par>
-                              <p:par>
-                                <p:cTn id="13" presetID="1" presetClass="entr" presetSubtype="0" fill="hold" grpId="0" nodeType="withEffect">
-                                  <p:stCondLst>
-                                    <p:cond delay="0"/>
-                                  </p:stCondLst>
-                                  <p:childTnLst>
-                                    <p:set>
-                                      <p:cBhvr>
-                                        <p:cTn id="14" dur="1" fill="hold">
-                                          <p:stCondLst>
-                                            <p:cond delay="0"/>
-                                          </p:stCondLst>
-                                        </p:cTn>
-                                        <p:tgtEl>
-                                          <p:spTgt spid="5">
-                                            <p:txEl>
-                                              <p:pRg st="4" end="4"/>
-                                            </p:txEl>
-                                          </p:spTgt>
-                                        </p:tgtEl>
-                                        <p:attrNameLst>
-                                          <p:attrName>style.visibility</p:attrName>
-                                        </p:attrNameLst>
-                                      </p:cBhvr>
-                                      <p:to>
-                                        <p:strVal val="visible"/>
-                                      </p:to>
-                                    </p:set>
-                                  </p:childTnLst>
-                                </p:cTn>
-                              </p:par>
-                              <p:par>
-                                <p:cTn id="15" presetID="3" presetClass="emph" presetSubtype="2" fill="hold" grpId="1" nodeType="withEffect">
+                                <p:cTn id="7" presetID="3" presetClass="emph" presetSubtype="2" fill="hold" grpId="1" nodeType="withEffect">
                                   <p:stCondLst>
                                     <p:cond delay="0"/>
                                   </p:stCondLst>
                                   <p:childTnLst>
                                     <p:animClr clrSpc="rgb" dir="cw">
                                       <p:cBhvr override="childStyle">
-                                        <p:cTn id="16" dur="500" fill="hold"/>
+                                        <p:cTn id="8" dur="500" fill="hold"/>
                                         <p:tgtEl>
                                           <p:spTgt spid="5">
                                             <p:txEl>
@@ -21053,15 +20958,64 @@
                                   </p:subTnLst>
                                 </p:cTn>
                               </p:par>
+                            </p:childTnLst>
+                          </p:cTn>
+                        </p:par>
+                      </p:childTnLst>
+                    </p:cTn>
+                  </p:par>
+                  <p:par>
+                    <p:cTn id="9" fill="hold">
+                      <p:stCondLst>
+                        <p:cond delay="indefinite"/>
+                      </p:stCondLst>
+                      <p:childTnLst>
+                        <p:par>
+                          <p:cTn id="10" fill="hold">
+                            <p:stCondLst>
+                              <p:cond delay="0"/>
+                            </p:stCondLst>
+                            <p:childTnLst>
                               <p:par>
-                                <p:cTn id="17" presetID="3" presetClass="emph" presetSubtype="2" fill="hold" grpId="1" nodeType="withEffect">
+                                <p:cTn id="11" presetID="1" presetClass="entr" presetSubtype="0" fill="hold" grpId="0" nodeType="clickEffect">
+                                  <p:stCondLst>
+                                    <p:cond delay="0"/>
+                                  </p:stCondLst>
+                                  <p:childTnLst>
+                                    <p:set>
+                                      <p:cBhvr>
+                                        <p:cTn id="12" dur="1" fill="hold">
+                                          <p:stCondLst>
+                                            <p:cond delay="0"/>
+                                          </p:stCondLst>
+                                        </p:cTn>
+                                        <p:tgtEl>
+                                          <p:spTgt spid="5">
+                                            <p:txEl>
+                                              <p:pRg st="1" end="1"/>
+                                            </p:txEl>
+                                          </p:spTgt>
+                                        </p:tgtEl>
+                                        <p:attrNameLst>
+                                          <p:attrName>style.visibility</p:attrName>
+                                        </p:attrNameLst>
+                                      </p:cBhvr>
+                                      <p:to>
+                                        <p:strVal val="visible"/>
+                                      </p:to>
+                                    </p:set>
+                                  </p:childTnLst>
+                                </p:cTn>
+                              </p:par>
+                              <p:par>
+                                <p:cTn id="13" presetID="3" presetClass="emph" presetSubtype="2" fill="hold" grpId="1" nodeType="withEffect">
                                   <p:stCondLst>
                                     <p:cond delay="0"/>
                                   </p:stCondLst>
                                   <p:childTnLst>
                                     <p:animClr clrSpc="rgb" dir="cw">
                                       <p:cBhvr override="childStyle">
-                                        <p:cTn id="18" dur="500" fill="hold"/>
+                                        <p:cTn id="14" dur="500" fill="hold"/>
                                         <p:tgtEl>
                                           <p:spTgt spid="5">
                                             <p:txEl>
@@ -21098,6 +21052,55 @@
                                       </p:to>
                                     </p:animClr>
                                   </p:subTnLst>
+                                </p:cTn>
+                              </p:par>
+                            </p:childTnLst>
+                          </p:cTn>
+                        </p:par>
+                      </p:childTnLst>
+                    </p:cTn>
+                  </p:par>
+                  <p:par>
+                    <p:cTn id="15" fill="hold">
+                      <p:stCondLst>
+                        <p:cond delay="indefinite"/>
+                      </p:stCondLst>
+                      <p:childTnLst>
+                        <p:par>
+                          <p:cTn id="16" fill="hold">
+                            <p:stCondLst>
+                              <p:cond delay="0"/>
+                            </p:stCondLst>
+                            <p:childTnLst>
+                              <p:par>
+                                <p:cTn id="17" presetID="1" presetClass="entr" presetSubtype="0" fill="hold" grpId="0" nodeType="clickEffect">
+                                  <p:stCondLst>
+                                    <p:cond delay="0"/>
+                                  </p:stCondLst>
+                                  <p:childTnLst>
+                                    <p:set>
+                                      <p:cBhvr>
+                                        <p:cTn id="18" dur="1" fill="hold">
+                                          <p:stCondLst>
+                                            <p:cond delay="0"/>
+                                          </p:stCondLst>
+                                        </p:cTn>
+                                        <p:tgtEl>
+                                          <p:spTgt spid="5">
+                                            <p:txEl>
+                                              <p:pRg st="2" end="2"/>
+                                            </p:txEl>
+                                          </p:spTgt>
+                                        </p:tgtEl>
+                                        <p:attrNameLst>
+                                          <p:attrName>style.visibility</p:attrName>
+                                        </p:attrNameLst>
+                                      </p:cBhvr>
+                                      <p:to>
+                                        <p:strVal val="visible"/>
+                                      </p:to>
+                                    </p:set>
+                                  </p:childTnLst>
                                 </p:cTn>
                               </p:par>
                               <p:par>
@@ -21147,15 +21150,64 @@
                                   </p:subTnLst>
                                 </p:cTn>
                               </p:par>
+                            </p:childTnLst>
+                          </p:cTn>
+                        </p:par>
+                      </p:childTnLst>
+                    </p:cTn>
+                  </p:par>
+                  <p:par>
+                    <p:cTn id="21" fill="hold">
+                      <p:stCondLst>
+                        <p:cond delay="indefinite"/>
+                      </p:stCondLst>
+                      <p:childTnLst>
+                        <p:par>
+                          <p:cTn id="22" fill="hold">
+                            <p:stCondLst>
+                              <p:cond delay="0"/>
+                            </p:stCondLst>
+                            <p:childTnLst>
                               <p:par>
-                                <p:cTn id="21" presetID="3" presetClass="emph" presetSubtype="2" fill="hold" grpId="1" nodeType="withEffect">
+                                <p:cTn id="23" presetID="1" presetClass="entr" presetSubtype="0" fill="hold" grpId="0" nodeType="clickEffect">
+                                  <p:stCondLst>
+                                    <p:cond delay="0"/>
+                                  </p:stCondLst>
+                                  <p:childTnLst>
+                                    <p:set>
+                                      <p:cBhvr>
+                                        <p:cTn id="24" dur="1" fill="hold">
+                                          <p:stCondLst>
+                                            <p:cond delay="0"/>
+                                          </p:stCondLst>
+                                        </p:cTn>
+                                        <p:tgtEl>
+                                          <p:spTgt spid="5">
+                                            <p:txEl>
+                                              <p:pRg st="3" end="3"/>
+                                            </p:txEl>
+                                          </p:spTgt>
+                                        </p:tgtEl>
+                                        <p:attrNameLst>
+                                          <p:attrName>style.visibility</p:attrName>
+                                        </p:attrNameLst>
+                                      </p:cBhvr>
+                                      <p:to>
+                                        <p:strVal val="visible"/>
+                                      </p:to>
+                                    </p:set>
+                                  </p:childTnLst>
+                                </p:cTn>
+                              </p:par>
+                              <p:par>
+                                <p:cTn id="25" presetID="3" presetClass="emph" presetSubtype="2" fill="hold" grpId="1" nodeType="withEffect">
                                   <p:stCondLst>
                                     <p:cond delay="0"/>
                                   </p:stCondLst>
                                   <p:childTnLst>
                                     <p:animClr clrSpc="rgb" dir="cw">
                                       <p:cBhvr override="childStyle">
-                                        <p:cTn id="22" dur="500" fill="hold"/>
+                                        <p:cTn id="26" dur="500" fill="hold"/>
                                         <p:tgtEl>
                                           <p:spTgt spid="5">
                                             <p:txEl>
@@ -21194,15 +21246,64 @@
                                   </p:subTnLst>
                                 </p:cTn>
                               </p:par>
+                            </p:childTnLst>
+                          </p:cTn>
+                        </p:par>
+                      </p:childTnLst>
+                    </p:cTn>
+                  </p:par>
+                  <p:par>
+                    <p:cTn id="27" fill="hold">
+                      <p:stCondLst>
+                        <p:cond delay="indefinite"/>
+                      </p:stCondLst>
+                      <p:childTnLst>
+                        <p:par>
+                          <p:cTn id="28" fill="hold">
+                            <p:stCondLst>
+                              <p:cond delay="0"/>
+                            </p:stCondLst>
+                            <p:childTnLst>
                               <p:par>
-                                <p:cTn id="23" presetID="3" presetClass="emph" presetSubtype="2" fill="hold" grpId="1" nodeType="withEffect">
+                                <p:cTn id="29" presetID="1" presetClass="entr" presetSubtype="0" fill="hold" grpId="0" nodeType="clickEffect">
+                                  <p:stCondLst>
+                                    <p:cond delay="0"/>
+                                  </p:stCondLst>
+                                  <p:childTnLst>
+                                    <p:set>
+                                      <p:cBhvr>
+                                        <p:cTn id="30" dur="1" fill="hold">
+                                          <p:stCondLst>
+                                            <p:cond delay="0"/>
+                                          </p:stCondLst>
+                                        </p:cTn>
+                                        <p:tgtEl>
+                                          <p:spTgt spid="5">
+                                            <p:txEl>
+                                              <p:pRg st="4" end="4"/>
+                                            </p:txEl>
+                                          </p:spTgt>
+                                        </p:tgtEl>
+                                        <p:attrNameLst>
+                                          <p:attrName>style.visibility</p:attrName>
+                                        </p:attrNameLst>
+                                      </p:cBhvr>
+                                      <p:to>
+                                        <p:strVal val="visible"/>
+                                      </p:to>
+                                    </p:set>
+                                  </p:childTnLst>
+                                </p:cTn>
+                              </p:par>
+                              <p:par>
+                                <p:cTn id="31" presetID="3" presetClass="emph" presetSubtype="2" fill="hold" grpId="1" nodeType="withEffect">
                                   <p:stCondLst>
                                     <p:cond delay="0"/>
                                   </p:stCondLst>
                                   <p:childTnLst>
                                     <p:animClr clrSpc="rgb" dir="cw">
                                       <p:cBhvr override="childStyle">
-                                        <p:cTn id="24" dur="500" fill="hold"/>
+                                        <p:cTn id="32" dur="500" fill="hold"/>
                                         <p:tgtEl>
                                           <p:spTgt spid="5">
                                             <p:txEl>
@@ -21219,26 +21320,6 @@
                                       </p:to>
                                     </p:animClr>
                                   </p:childTnLst>
-                                  <p:subTnLst>
-                                    <p:animClr clrSpc="rgb" dir="cw">
-                                      <p:cBhvr override="childStyle">
-                                        <p:cTn dur="1" fill="hold" display="0" masterRel="nextClick" afterEffect="1"/>
-                                        <p:tgtEl>
-                                          <p:spTgt spid="5">
-                                            <p:txEl>
-                                              <p:pRg st="4" end="4"/>
-                                            </p:txEl>
-                                          </p:spTgt>
-                                        </p:tgtEl>
-                                        <p:attrNameLst>
-                                          <p:attrName>ppt_c</p:attrName>
-                                        </p:attrNameLst>
-                                      </p:cBhvr>
-                                      <p:to>
-                                        <a:schemeClr val="tx2"/>
-                                      </p:to>
-                                    </p:animClr>
-                                  </p:subTnLst>
                                 </p:cTn>
                               </p:par>
                             </p:childTnLst>
@@ -21269,8 +21350,8 @@
       </p:par>
     </p:tnLst>
     <p:bldLst>
-      <p:bldP spid="5" grpId="0" build="p"/>
-      <p:bldP spid="5" grpId="1" build="allAtOnce"/>
+      <p:bldP spid="5" grpId="0" uiExpand="1" build="p"/>
+      <p:bldP spid="5" grpId="1" uiExpand="1" build="allAtOnce"/>
     </p:bldLst>
   </p:timing>
 </p:sld>
@@ -21715,7 +21796,7 @@
         </p:nvGraphicFramePr>
         <p:xfrm>
           <a:off x="312738" y="790575"/>
-          <a:ext cx="8531225" cy="3748088"/>
+          <a:ext cx="8531225" cy="3748086"/>
         </p:xfrm>
         <a:graphic>
           <a:graphicData uri="http://schemas.openxmlformats.org/drawingml/2006/table">
